--- a/Git presentation ITLab.pptx
+++ b/Git presentation ITLab.pptx
@@ -14,8 +14,8 @@
     <p:sldId id="261" r:id="rId8"/>
     <p:sldId id="282" r:id="rId9"/>
     <p:sldId id="283" r:id="rId10"/>
-    <p:sldId id="284" r:id="rId11"/>
-    <p:sldId id="268" r:id="rId12"/>
+    <p:sldId id="268" r:id="rId11"/>
+    <p:sldId id="284" r:id="rId12"/>
     <p:sldId id="269" r:id="rId13"/>
     <p:sldId id="267" r:id="rId14"/>
     <p:sldId id="270" r:id="rId15"/>
@@ -3132,142 +3132,6 @@
       </p:grpSpPr>
       <p:sp>
         <p:nvSpPr>
-          <p:cNvPr id="2" name="Title 1">
-            <a:extLst>
-              <a:ext uri="{FF2B5EF4-FFF2-40B4-BE49-F238E27FC236}">
-                <a16:creationId xmlns:a16="http://schemas.microsoft.com/office/drawing/2014/main" id="{244DEC77-40AD-4086-84F1-6A81CEE2F346}"/>
-              </a:ext>
-            </a:extLst>
-          </p:cNvPr>
-          <p:cNvSpPr>
-            <a:spLocks noGrp="1"/>
-          </p:cNvSpPr>
-          <p:nvPr>
-            <p:ph type="title"/>
-          </p:nvPr>
-        </p:nvSpPr>
-        <p:spPr/>
-        <p:txBody>
-          <a:bodyPr/>
-          <a:lstStyle/>
-          <a:p>
-            <a:r>
-              <a:rPr lang="en-US" dirty="0"/>
-              <a:t>Merge conflicts</a:t>
-            </a:r>
-          </a:p>
-        </p:txBody>
-      </p:sp>
-      <p:sp>
-        <p:nvSpPr>
-          <p:cNvPr id="3" name="Content Placeholder 2">
-            <a:extLst>
-              <a:ext uri="{FF2B5EF4-FFF2-40B4-BE49-F238E27FC236}">
-                <a16:creationId xmlns:a16="http://schemas.microsoft.com/office/drawing/2014/main" id="{7B1233B2-B352-4668-B855-FCB8C6C1F729}"/>
-              </a:ext>
-            </a:extLst>
-          </p:cNvPr>
-          <p:cNvSpPr>
-            <a:spLocks noGrp="1"/>
-          </p:cNvSpPr>
-          <p:nvPr>
-            <p:ph idx="1"/>
-          </p:nvPr>
-        </p:nvSpPr>
-        <p:spPr/>
-        <p:txBody>
-          <a:bodyPr/>
-          <a:lstStyle/>
-          <a:p>
-            <a:pPr marL="0" indent="0">
-              <a:buNone/>
-            </a:pPr>
-            <a:r>
-              <a:rPr lang="en-US" dirty="0"/>
-              <a:t>They will happen!</a:t>
-            </a:r>
-          </a:p>
-          <a:p>
-            <a:pPr marL="0" indent="0">
-              <a:buNone/>
-            </a:pPr>
-            <a:r>
-              <a:rPr lang="en-US" dirty="0"/>
-              <a:t>They are not bad!</a:t>
-            </a:r>
-          </a:p>
-          <a:p>
-            <a:pPr marL="0" indent="0">
-              <a:buNone/>
-            </a:pPr>
-            <a:endParaRPr lang="en-US" b="1" dirty="0"/>
-          </a:p>
-          <a:p>
-            <a:pPr marL="0" indent="0">
-              <a:buNone/>
-            </a:pPr>
-            <a:r>
-              <a:rPr lang="en-US" dirty="0"/>
-              <a:t>A </a:t>
-            </a:r>
-            <a:r>
-              <a:rPr lang="en-US" b="1" dirty="0"/>
-              <a:t>merge conflict </a:t>
-            </a:r>
-            <a:r>
-              <a:rPr lang="en-US" dirty="0"/>
-              <a:t>means that there were two different changes done that are incompatible and you are trying to merge them.</a:t>
-            </a:r>
-          </a:p>
-          <a:p>
-            <a:pPr marL="0" indent="0">
-              <a:buNone/>
-            </a:pPr>
-            <a:endParaRPr lang="en-US" dirty="0"/>
-          </a:p>
-          <a:p>
-            <a:pPr marL="0" indent="0">
-              <a:buNone/>
-            </a:pPr>
-            <a:r>
-              <a:rPr lang="en-US" dirty="0"/>
-              <a:t>To resolve this, go into the conflicting files, edit them to the version you’d like, and then make a new commit.</a:t>
-            </a:r>
-          </a:p>
-        </p:txBody>
-      </p:sp>
-    </p:spTree>
-    <p:extLst>
-      <p:ext uri="{BB962C8B-B14F-4D97-AF65-F5344CB8AC3E}">
-        <p14:creationId xmlns:p14="http://schemas.microsoft.com/office/powerpoint/2010/main" val="1112345308"/>
-      </p:ext>
-    </p:extLst>
-  </p:cSld>
-  <p:clrMapOvr>
-    <a:masterClrMapping/>
-  </p:clrMapOvr>
-</p:sld>
-</file>
-
-<file path=ppt/slides/slide11.xml><?xml version="1.0" encoding="utf-8"?>
-<p:sld xmlns:a="http://schemas.openxmlformats.org/drawingml/2006/main" xmlns:r="http://schemas.openxmlformats.org/officeDocument/2006/relationships" xmlns:p="http://schemas.openxmlformats.org/presentationml/2006/main">
-  <p:cSld>
-    <p:spTree>
-      <p:nvGrpSpPr>
-        <p:cNvPr id="1" name=""/>
-        <p:cNvGrpSpPr/>
-        <p:nvPr/>
-      </p:nvGrpSpPr>
-      <p:grpSpPr>
-        <a:xfrm>
-          <a:off x="0" y="0"/>
-          <a:ext cx="0" cy="0"/>
-          <a:chOff x="0" y="0"/>
-          <a:chExt cx="0" cy="0"/>
-        </a:xfrm>
-      </p:grpSpPr>
-      <p:sp>
-        <p:nvSpPr>
           <p:cNvPr id="2" name="Title 1"/>
           <p:cNvSpPr>
             <a:spLocks noGrp="1"/>
@@ -3427,6 +3291,142 @@
     <p:extLst>
       <p:ext uri="{BB962C8B-B14F-4D97-AF65-F5344CB8AC3E}">
         <p14:creationId xmlns:p14="http://schemas.microsoft.com/office/powerpoint/2010/main" val="1787701096"/>
+      </p:ext>
+    </p:extLst>
+  </p:cSld>
+  <p:clrMapOvr>
+    <a:masterClrMapping/>
+  </p:clrMapOvr>
+</p:sld>
+</file>
+
+<file path=ppt/slides/slide11.xml><?xml version="1.0" encoding="utf-8"?>
+<p:sld xmlns:a="http://schemas.openxmlformats.org/drawingml/2006/main" xmlns:r="http://schemas.openxmlformats.org/officeDocument/2006/relationships" xmlns:p="http://schemas.openxmlformats.org/presentationml/2006/main">
+  <p:cSld>
+    <p:spTree>
+      <p:nvGrpSpPr>
+        <p:cNvPr id="1" name=""/>
+        <p:cNvGrpSpPr/>
+        <p:nvPr/>
+      </p:nvGrpSpPr>
+      <p:grpSpPr>
+        <a:xfrm>
+          <a:off x="0" y="0"/>
+          <a:ext cx="0" cy="0"/>
+          <a:chOff x="0" y="0"/>
+          <a:chExt cx="0" cy="0"/>
+        </a:xfrm>
+      </p:grpSpPr>
+      <p:sp>
+        <p:nvSpPr>
+          <p:cNvPr id="2" name="Title 1">
+            <a:extLst>
+              <a:ext uri="{FF2B5EF4-FFF2-40B4-BE49-F238E27FC236}">
+                <a16:creationId xmlns:a16="http://schemas.microsoft.com/office/drawing/2014/main" id="{244DEC77-40AD-4086-84F1-6A81CEE2F346}"/>
+              </a:ext>
+            </a:extLst>
+          </p:cNvPr>
+          <p:cNvSpPr>
+            <a:spLocks noGrp="1"/>
+          </p:cNvSpPr>
+          <p:nvPr>
+            <p:ph type="title"/>
+          </p:nvPr>
+        </p:nvSpPr>
+        <p:spPr/>
+        <p:txBody>
+          <a:bodyPr/>
+          <a:lstStyle/>
+          <a:p>
+            <a:r>
+              <a:rPr lang="en-US" dirty="0"/>
+              <a:t>Merge conflicts</a:t>
+            </a:r>
+          </a:p>
+        </p:txBody>
+      </p:sp>
+      <p:sp>
+        <p:nvSpPr>
+          <p:cNvPr id="3" name="Content Placeholder 2">
+            <a:extLst>
+              <a:ext uri="{FF2B5EF4-FFF2-40B4-BE49-F238E27FC236}">
+                <a16:creationId xmlns:a16="http://schemas.microsoft.com/office/drawing/2014/main" id="{7B1233B2-B352-4668-B855-FCB8C6C1F729}"/>
+              </a:ext>
+            </a:extLst>
+          </p:cNvPr>
+          <p:cNvSpPr>
+            <a:spLocks noGrp="1"/>
+          </p:cNvSpPr>
+          <p:nvPr>
+            <p:ph idx="1"/>
+          </p:nvPr>
+        </p:nvSpPr>
+        <p:spPr/>
+        <p:txBody>
+          <a:bodyPr/>
+          <a:lstStyle/>
+          <a:p>
+            <a:pPr marL="0" indent="0">
+              <a:buNone/>
+            </a:pPr>
+            <a:r>
+              <a:rPr lang="en-US" dirty="0"/>
+              <a:t>They will happen!</a:t>
+            </a:r>
+          </a:p>
+          <a:p>
+            <a:pPr marL="0" indent="0">
+              <a:buNone/>
+            </a:pPr>
+            <a:r>
+              <a:rPr lang="en-US" dirty="0"/>
+              <a:t>They are not bad!</a:t>
+            </a:r>
+          </a:p>
+          <a:p>
+            <a:pPr marL="0" indent="0">
+              <a:buNone/>
+            </a:pPr>
+            <a:endParaRPr lang="en-US" b="1" dirty="0"/>
+          </a:p>
+          <a:p>
+            <a:pPr marL="0" indent="0">
+              <a:buNone/>
+            </a:pPr>
+            <a:r>
+              <a:rPr lang="en-US" dirty="0"/>
+              <a:t>A </a:t>
+            </a:r>
+            <a:r>
+              <a:rPr lang="en-US" b="1" dirty="0"/>
+              <a:t>merge conflict </a:t>
+            </a:r>
+            <a:r>
+              <a:rPr lang="en-US" dirty="0"/>
+              <a:t>means that there were two different changes done that are incompatible and you are trying to merge them.</a:t>
+            </a:r>
+          </a:p>
+          <a:p>
+            <a:pPr marL="0" indent="0">
+              <a:buNone/>
+            </a:pPr>
+            <a:endParaRPr lang="en-US" dirty="0"/>
+          </a:p>
+          <a:p>
+            <a:pPr marL="0" indent="0">
+              <a:buNone/>
+            </a:pPr>
+            <a:r>
+              <a:rPr lang="en-US" dirty="0"/>
+              <a:t>To resolve this, go into the conflicting files, edit them to the version you’d like, and then make a new commit.</a:t>
+            </a:r>
+          </a:p>
+        </p:txBody>
+      </p:sp>
+    </p:spTree>
+    <p:extLst>
+      <p:ext uri="{BB962C8B-B14F-4D97-AF65-F5344CB8AC3E}">
+        <p14:creationId xmlns:p14="http://schemas.microsoft.com/office/powerpoint/2010/main" val="1112345308"/>
       </p:ext>
     </p:extLst>
   </p:cSld>

--- a/Git presentation ITLab.pptx
+++ b/Git presentation ITLab.pptx
@@ -138,10 +138,6 @@
 </p:presentation>
 </file>
 
-<file path=ppt/revisionInfo.xml><?xml version="1.0" encoding="utf-8"?>
-<p1510:revInfo xmlns:a="http://schemas.openxmlformats.org/drawingml/2006/main" xmlns:r="http://schemas.openxmlformats.org/officeDocument/2006/relationships" xmlns:p1510="http://schemas.microsoft.com/office/powerpoint/2015/10/main"/>
-</file>
-
 <file path=ppt/slideLayouts/slideLayout1.xml><?xml version="1.0" encoding="utf-8"?>
 <p:sldLayout xmlns:a="http://schemas.openxmlformats.org/drawingml/2006/main" xmlns:r="http://schemas.openxmlformats.org/officeDocument/2006/relationships" xmlns:p="http://schemas.openxmlformats.org/presentationml/2006/main" type="title" preserve="1">
   <p:cSld name="Title Slide">
@@ -271,7 +267,7 @@
           <a:p>
             <a:fld id="{A4AD5BDA-116F-463D-9EBC-345F1CBCE3A0}" type="datetimeFigureOut">
               <a:rPr lang="en-US" smtClean="0"/>
-              <a:t>08-Nov-17</a:t>
+              <a:t>5/20/2020</a:t>
             </a:fld>
             <a:endParaRPr lang="en-US"/>
           </a:p>
@@ -439,7 +435,7 @@
           <a:p>
             <a:fld id="{A4AD5BDA-116F-463D-9EBC-345F1CBCE3A0}" type="datetimeFigureOut">
               <a:rPr lang="en-US" smtClean="0"/>
-              <a:t>08-Nov-17</a:t>
+              <a:t>5/20/2020</a:t>
             </a:fld>
             <a:endParaRPr lang="en-US"/>
           </a:p>
@@ -617,7 +613,7 @@
           <a:p>
             <a:fld id="{A4AD5BDA-116F-463D-9EBC-345F1CBCE3A0}" type="datetimeFigureOut">
               <a:rPr lang="en-US" smtClean="0"/>
-              <a:t>08-Nov-17</a:t>
+              <a:t>5/20/2020</a:t>
             </a:fld>
             <a:endParaRPr lang="en-US"/>
           </a:p>
@@ -785,7 +781,7 @@
           <a:p>
             <a:fld id="{A4AD5BDA-116F-463D-9EBC-345F1CBCE3A0}" type="datetimeFigureOut">
               <a:rPr lang="en-US" smtClean="0"/>
-              <a:t>08-Nov-17</a:t>
+              <a:t>5/20/2020</a:t>
             </a:fld>
             <a:endParaRPr lang="en-US"/>
           </a:p>
@@ -1030,7 +1026,7 @@
           <a:p>
             <a:fld id="{A4AD5BDA-116F-463D-9EBC-345F1CBCE3A0}" type="datetimeFigureOut">
               <a:rPr lang="en-US" smtClean="0"/>
-              <a:t>08-Nov-17</a:t>
+              <a:t>5/20/2020</a:t>
             </a:fld>
             <a:endParaRPr lang="en-US"/>
           </a:p>
@@ -1259,7 +1255,7 @@
           <a:p>
             <a:fld id="{A4AD5BDA-116F-463D-9EBC-345F1CBCE3A0}" type="datetimeFigureOut">
               <a:rPr lang="en-US" smtClean="0"/>
-              <a:t>08-Nov-17</a:t>
+              <a:t>5/20/2020</a:t>
             </a:fld>
             <a:endParaRPr lang="en-US"/>
           </a:p>
@@ -1623,7 +1619,7 @@
           <a:p>
             <a:fld id="{A4AD5BDA-116F-463D-9EBC-345F1CBCE3A0}" type="datetimeFigureOut">
               <a:rPr lang="en-US" smtClean="0"/>
-              <a:t>08-Nov-17</a:t>
+              <a:t>5/20/2020</a:t>
             </a:fld>
             <a:endParaRPr lang="en-US"/>
           </a:p>
@@ -1740,7 +1736,7 @@
           <a:p>
             <a:fld id="{A4AD5BDA-116F-463D-9EBC-345F1CBCE3A0}" type="datetimeFigureOut">
               <a:rPr lang="en-US" smtClean="0"/>
-              <a:t>08-Nov-17</a:t>
+              <a:t>5/20/2020</a:t>
             </a:fld>
             <a:endParaRPr lang="en-US"/>
           </a:p>
@@ -1835,7 +1831,7 @@
           <a:p>
             <a:fld id="{A4AD5BDA-116F-463D-9EBC-345F1CBCE3A0}" type="datetimeFigureOut">
               <a:rPr lang="en-US" smtClean="0"/>
-              <a:t>08-Nov-17</a:t>
+              <a:t>5/20/2020</a:t>
             </a:fld>
             <a:endParaRPr lang="en-US"/>
           </a:p>
@@ -2110,7 +2106,7 @@
           <a:p>
             <a:fld id="{A4AD5BDA-116F-463D-9EBC-345F1CBCE3A0}" type="datetimeFigureOut">
               <a:rPr lang="en-US" smtClean="0"/>
-              <a:t>08-Nov-17</a:t>
+              <a:t>5/20/2020</a:t>
             </a:fld>
             <a:endParaRPr lang="en-US"/>
           </a:p>
@@ -2362,7 +2358,7 @@
           <a:p>
             <a:fld id="{A4AD5BDA-116F-463D-9EBC-345F1CBCE3A0}" type="datetimeFigureOut">
               <a:rPr lang="en-US" smtClean="0"/>
-              <a:t>08-Nov-17</a:t>
+              <a:t>5/20/2020</a:t>
             </a:fld>
             <a:endParaRPr lang="en-US"/>
           </a:p>
@@ -2573,7 +2569,7 @@
           <a:p>
             <a:fld id="{A4AD5BDA-116F-463D-9EBC-345F1CBCE3A0}" type="datetimeFigureOut">
               <a:rPr lang="en-US" smtClean="0"/>
-              <a:t>08-Nov-17</a:t>
+              <a:t>5/20/2020</a:t>
             </a:fld>
             <a:endParaRPr lang="en-US"/>
           </a:p>
@@ -4209,22 +4205,16 @@
           </a:p>
           <a:p>
             <a:r>
-              <a:rPr lang="en-US" dirty="0" err="1">
+              <a:rPr lang="en-US">
                 <a:hlinkClick r:id="rId2"/>
               </a:rPr>
-              <a:t>Origianl</a:t>
+              <a:t>Original </a:t>
             </a:r>
             <a:r>
               <a:rPr lang="en-US" dirty="0">
                 <a:hlinkClick r:id="rId2"/>
               </a:rPr>
-              <a:t> post by Vincent </a:t>
-            </a:r>
-            <a:r>
-              <a:rPr lang="en-US" dirty="0" err="1">
-                <a:hlinkClick r:id="rId2"/>
-              </a:rPr>
-              <a:t>Driessen</a:t>
+              <a:t>post by Vincent Driessen</a:t>
             </a:r>
             <a:endParaRPr lang="en-US" dirty="0"/>
           </a:p>
